--- a/Documentation/Poster Design Spring.pptx
+++ b/Documentation/Poster Design Spring.pptx
@@ -1,20 +1,115 @@
 
 <file path=ppt/presentation.xml><?xml version="1.0" encoding="utf-8"?>
-<p:presentation xmlns:a="http://schemas.openxmlformats.org/drawingml/2006/main" xmlns:p="http://schemas.openxmlformats.org/presentationml/2006/main" xmlns:r="http://schemas.openxmlformats.org/officeDocument/2006/relationships">
+<p:presentation xmlns:a="http://schemas.openxmlformats.org/drawingml/2006/main" xmlns:r="http://schemas.openxmlformats.org/officeDocument/2006/relationships" xmlns:p="http://schemas.openxmlformats.org/presentationml/2006/main">
   <p:sldMasterIdLst>
-    <p:sldMasterId id="2147483648" r:id="rId2"/>
+    <p:sldMasterId id="2147483648" r:id="rId1"/>
   </p:sldMasterIdLst>
   <p:sldIdLst>
-    <p:sldId id="256" r:id="rId3"/>
-    <p:sldId id="257" r:id="rId4"/>
+    <p:sldId id="256" r:id="rId2"/>
+    <p:sldId id="257" r:id="rId3"/>
   </p:sldIdLst>
-  <p:sldSz cx="6858000" cy="9144000"/>
+  <p:sldSz cx="6858000" cy="9144000" type="screen4x3"/>
   <p:notesSz cx="7772400" cy="10058400"/>
+  <p:defaultTextStyle>
+    <a:defPPr>
+      <a:defRPr lang="en-US"/>
+    </a:defPPr>
+    <a:lvl1pPr marL="0" algn="l" defTabSz="914400" rtl="0" eaLnBrk="1" latinLnBrk="0" hangingPunct="1">
+      <a:defRPr sz="1800" kern="1200">
+        <a:solidFill>
+          <a:schemeClr val="tx1"/>
+        </a:solidFill>
+        <a:latin typeface="+mn-lt"/>
+        <a:ea typeface="+mn-ea"/>
+        <a:cs typeface="+mn-cs"/>
+      </a:defRPr>
+    </a:lvl1pPr>
+    <a:lvl2pPr marL="457200" algn="l" defTabSz="914400" rtl="0" eaLnBrk="1" latinLnBrk="0" hangingPunct="1">
+      <a:defRPr sz="1800" kern="1200">
+        <a:solidFill>
+          <a:schemeClr val="tx1"/>
+        </a:solidFill>
+        <a:latin typeface="+mn-lt"/>
+        <a:ea typeface="+mn-ea"/>
+        <a:cs typeface="+mn-cs"/>
+      </a:defRPr>
+    </a:lvl2pPr>
+    <a:lvl3pPr marL="914400" algn="l" defTabSz="914400" rtl="0" eaLnBrk="1" latinLnBrk="0" hangingPunct="1">
+      <a:defRPr sz="1800" kern="1200">
+        <a:solidFill>
+          <a:schemeClr val="tx1"/>
+        </a:solidFill>
+        <a:latin typeface="+mn-lt"/>
+        <a:ea typeface="+mn-ea"/>
+        <a:cs typeface="+mn-cs"/>
+      </a:defRPr>
+    </a:lvl3pPr>
+    <a:lvl4pPr marL="1371600" algn="l" defTabSz="914400" rtl="0" eaLnBrk="1" latinLnBrk="0" hangingPunct="1">
+      <a:defRPr sz="1800" kern="1200">
+        <a:solidFill>
+          <a:schemeClr val="tx1"/>
+        </a:solidFill>
+        <a:latin typeface="+mn-lt"/>
+        <a:ea typeface="+mn-ea"/>
+        <a:cs typeface="+mn-cs"/>
+      </a:defRPr>
+    </a:lvl4pPr>
+    <a:lvl5pPr marL="1828800" algn="l" defTabSz="914400" rtl="0" eaLnBrk="1" latinLnBrk="0" hangingPunct="1">
+      <a:defRPr sz="1800" kern="1200">
+        <a:solidFill>
+          <a:schemeClr val="tx1"/>
+        </a:solidFill>
+        <a:latin typeface="+mn-lt"/>
+        <a:ea typeface="+mn-ea"/>
+        <a:cs typeface="+mn-cs"/>
+      </a:defRPr>
+    </a:lvl5pPr>
+    <a:lvl6pPr marL="2286000" algn="l" defTabSz="914400" rtl="0" eaLnBrk="1" latinLnBrk="0" hangingPunct="1">
+      <a:defRPr sz="1800" kern="1200">
+        <a:solidFill>
+          <a:schemeClr val="tx1"/>
+        </a:solidFill>
+        <a:latin typeface="+mn-lt"/>
+        <a:ea typeface="+mn-ea"/>
+        <a:cs typeface="+mn-cs"/>
+      </a:defRPr>
+    </a:lvl6pPr>
+    <a:lvl7pPr marL="2743200" algn="l" defTabSz="914400" rtl="0" eaLnBrk="1" latinLnBrk="0" hangingPunct="1">
+      <a:defRPr sz="1800" kern="1200">
+        <a:solidFill>
+          <a:schemeClr val="tx1"/>
+        </a:solidFill>
+        <a:latin typeface="+mn-lt"/>
+        <a:ea typeface="+mn-ea"/>
+        <a:cs typeface="+mn-cs"/>
+      </a:defRPr>
+    </a:lvl7pPr>
+    <a:lvl8pPr marL="3200400" algn="l" defTabSz="914400" rtl="0" eaLnBrk="1" latinLnBrk="0" hangingPunct="1">
+      <a:defRPr sz="1800" kern="1200">
+        <a:solidFill>
+          <a:schemeClr val="tx1"/>
+        </a:solidFill>
+        <a:latin typeface="+mn-lt"/>
+        <a:ea typeface="+mn-ea"/>
+        <a:cs typeface="+mn-cs"/>
+      </a:defRPr>
+    </a:lvl8pPr>
+    <a:lvl9pPr marL="3657600" algn="l" defTabSz="914400" rtl="0" eaLnBrk="1" latinLnBrk="0" hangingPunct="1">
+      <a:defRPr sz="1800" kern="1200">
+        <a:solidFill>
+          <a:schemeClr val="tx1"/>
+        </a:solidFill>
+        <a:latin typeface="+mn-lt"/>
+        <a:ea typeface="+mn-ea"/>
+        <a:cs typeface="+mn-cs"/>
+      </a:defRPr>
+    </a:lvl9pPr>
+  </p:defaultTextStyle>
 </p:presentation>
 </file>
 
 <file path=ppt/slideLayouts/slideLayout1.xml><?xml version="1.0" encoding="utf-8"?>
-<p:sldLayout xmlns:a="http://schemas.openxmlformats.org/drawingml/2006/main" xmlns:p="http://schemas.openxmlformats.org/presentationml/2006/main" xmlns:r="http://schemas.openxmlformats.org/officeDocument/2006/relationships" type="blank" preserve="1">
+<p:sldLayout xmlns:a="http://schemas.openxmlformats.org/drawingml/2006/main" xmlns:r="http://schemas.openxmlformats.org/officeDocument/2006/relationships" xmlns:p="http://schemas.openxmlformats.org/presentationml/2006/main" type="blank" preserve="1">
   <p:cSld name="Blank Slide">
     <p:spTree>
       <p:nvGrpSpPr>
@@ -32,11 +127,14 @@
       </p:grpSpPr>
     </p:spTree>
   </p:cSld>
+  <p:clrMapOvr>
+    <a:masterClrMapping/>
+  </p:clrMapOvr>
 </p:sldLayout>
 </file>
 
 <file path=ppt/slideLayouts/slideLayout10.xml><?xml version="1.0" encoding="utf-8"?>
-<p:sldLayout xmlns:a="http://schemas.openxmlformats.org/drawingml/2006/main" xmlns:p="http://schemas.openxmlformats.org/presentationml/2006/main" xmlns:r="http://schemas.openxmlformats.org/officeDocument/2006/relationships" type="objOverTx" preserve="1">
+<p:sldLayout xmlns:a="http://schemas.openxmlformats.org/drawingml/2006/main" xmlns:r="http://schemas.openxmlformats.org/officeDocument/2006/relationships" xmlns:p="http://schemas.openxmlformats.org/presentationml/2006/main" type="objOverTx" preserve="1">
   <p:cSld name="Title, Content over Content">
     <p:spTree>
       <p:nvGrpSpPr>
@@ -72,9 +170,9 @@
           </a:prstGeom>
         </p:spPr>
         <p:txBody>
-          <a:bodyPr lIns="0" rIns="0" tIns="0" bIns="0" anchor="ctr"/>
-          <a:p>
-            <a:pPr algn="ctr"/>
+          <a:bodyPr lIns="0" tIns="0" rIns="0" bIns="0" anchor="ctr"/>
+          <a:lstStyle/>
+          <a:p>
             <a:endParaRPr/>
           </a:p>
         </p:txBody>
@@ -99,7 +197,8 @@
           </a:prstGeom>
         </p:spPr>
         <p:txBody>
-          <a:bodyPr lIns="0" rIns="0" tIns="0" bIns="0"/>
+          <a:bodyPr lIns="0" tIns="0" rIns="0" bIns="0"/>
+          <a:lstStyle/>
           <a:p>
             <a:endParaRPr/>
           </a:p>
@@ -125,7 +224,8 @@
           </a:prstGeom>
         </p:spPr>
         <p:txBody>
-          <a:bodyPr lIns="0" rIns="0" tIns="0" bIns="0"/>
+          <a:bodyPr lIns="0" tIns="0" rIns="0" bIns="0"/>
+          <a:lstStyle/>
           <a:p>
             <a:endParaRPr/>
           </a:p>
@@ -133,11 +233,14 @@
       </p:sp>
     </p:spTree>
   </p:cSld>
+  <p:clrMapOvr>
+    <a:masterClrMapping/>
+  </p:clrMapOvr>
 </p:sldLayout>
 </file>
 
 <file path=ppt/slideLayouts/slideLayout11.xml><?xml version="1.0" encoding="utf-8"?>
-<p:sldLayout xmlns:a="http://schemas.openxmlformats.org/drawingml/2006/main" xmlns:p="http://schemas.openxmlformats.org/presentationml/2006/main" xmlns:r="http://schemas.openxmlformats.org/officeDocument/2006/relationships" type="fourObj" preserve="1">
+<p:sldLayout xmlns:a="http://schemas.openxmlformats.org/drawingml/2006/main" xmlns:r="http://schemas.openxmlformats.org/officeDocument/2006/relationships" xmlns:p="http://schemas.openxmlformats.org/presentationml/2006/main" type="fourObj" preserve="1">
   <p:cSld name="Title, 4 Content">
     <p:spTree>
       <p:nvGrpSpPr>
@@ -173,9 +276,9 @@
           </a:prstGeom>
         </p:spPr>
         <p:txBody>
-          <a:bodyPr lIns="0" rIns="0" tIns="0" bIns="0" anchor="ctr"/>
-          <a:p>
-            <a:pPr algn="ctr"/>
+          <a:bodyPr lIns="0" tIns="0" rIns="0" bIns="0" anchor="ctr"/>
+          <a:lstStyle/>
+          <a:p>
             <a:endParaRPr/>
           </a:p>
         </p:txBody>
@@ -200,7 +303,8 @@
           </a:prstGeom>
         </p:spPr>
         <p:txBody>
-          <a:bodyPr lIns="0" rIns="0" tIns="0" bIns="0"/>
+          <a:bodyPr lIns="0" tIns="0" rIns="0" bIns="0"/>
+          <a:lstStyle/>
           <a:p>
             <a:endParaRPr/>
           </a:p>
@@ -226,7 +330,8 @@
           </a:prstGeom>
         </p:spPr>
         <p:txBody>
-          <a:bodyPr lIns="0" rIns="0" tIns="0" bIns="0"/>
+          <a:bodyPr lIns="0" tIns="0" rIns="0" bIns="0"/>
+          <a:lstStyle/>
           <a:p>
             <a:endParaRPr/>
           </a:p>
@@ -252,7 +357,8 @@
           </a:prstGeom>
         </p:spPr>
         <p:txBody>
-          <a:bodyPr lIns="0" rIns="0" tIns="0" bIns="0"/>
+          <a:bodyPr lIns="0" tIns="0" rIns="0" bIns="0"/>
+          <a:lstStyle/>
           <a:p>
             <a:endParaRPr/>
           </a:p>
@@ -278,7 +384,8 @@
           </a:prstGeom>
         </p:spPr>
         <p:txBody>
-          <a:bodyPr lIns="0" rIns="0" tIns="0" bIns="0"/>
+          <a:bodyPr lIns="0" tIns="0" rIns="0" bIns="0"/>
+          <a:lstStyle/>
           <a:p>
             <a:endParaRPr/>
           </a:p>
@@ -286,11 +393,14 @@
       </p:sp>
     </p:spTree>
   </p:cSld>
+  <p:clrMapOvr>
+    <a:masterClrMapping/>
+  </p:clrMapOvr>
 </p:sldLayout>
 </file>
 
 <file path=ppt/slideLayouts/slideLayout12.xml><?xml version="1.0" encoding="utf-8"?>
-<p:sldLayout xmlns:a="http://schemas.openxmlformats.org/drawingml/2006/main" xmlns:p="http://schemas.openxmlformats.org/presentationml/2006/main" xmlns:r="http://schemas.openxmlformats.org/officeDocument/2006/relationships" type="blank" preserve="1">
+<p:sldLayout xmlns:a="http://schemas.openxmlformats.org/drawingml/2006/main" xmlns:r="http://schemas.openxmlformats.org/officeDocument/2006/relationships" xmlns:p="http://schemas.openxmlformats.org/presentationml/2006/main" type="blank" preserve="1">
   <p:cSld name="Title, 6 Content">
     <p:spTree>
       <p:nvGrpSpPr>
@@ -326,9 +436,9 @@
           </a:prstGeom>
         </p:spPr>
         <p:txBody>
-          <a:bodyPr lIns="0" rIns="0" tIns="0" bIns="0" anchor="ctr"/>
-          <a:p>
-            <a:pPr algn="ctr"/>
+          <a:bodyPr lIns="0" tIns="0" rIns="0" bIns="0" anchor="ctr"/>
+          <a:lstStyle/>
+          <a:p>
             <a:endParaRPr/>
           </a:p>
         </p:txBody>
@@ -353,7 +463,8 @@
           </a:prstGeom>
         </p:spPr>
         <p:txBody>
-          <a:bodyPr lIns="0" rIns="0" tIns="0" bIns="0"/>
+          <a:bodyPr lIns="0" tIns="0" rIns="0" bIns="0"/>
+          <a:lstStyle/>
           <a:p>
             <a:endParaRPr/>
           </a:p>
@@ -379,7 +490,8 @@
           </a:prstGeom>
         </p:spPr>
         <p:txBody>
-          <a:bodyPr lIns="0" rIns="0" tIns="0" bIns="0"/>
+          <a:bodyPr lIns="0" tIns="0" rIns="0" bIns="0"/>
+          <a:lstStyle/>
           <a:p>
             <a:endParaRPr/>
           </a:p>
@@ -387,12 +499,12 @@
       </p:sp>
       <p:pic>
         <p:nvPicPr>
-          <p:cNvPr id="35" name="" descr=""/>
+          <p:cNvPr id="35" name="Picture 34"/>
           <p:cNvPicPr/>
           <p:nvPr/>
         </p:nvPicPr>
         <p:blipFill>
-          <a:blip r:embed="rId2"/>
+          <a:blip r:embed="rId2" cstate="print"/>
           <a:stretch/>
         </p:blipFill>
         <p:spPr>
@@ -410,12 +522,12 @@
       </p:pic>
       <p:pic>
         <p:nvPicPr>
-          <p:cNvPr id="36" name="" descr=""/>
+          <p:cNvPr id="36" name="Picture 35"/>
           <p:cNvPicPr/>
           <p:nvPr/>
         </p:nvPicPr>
         <p:blipFill>
-          <a:blip r:embed="rId3"/>
+          <a:blip r:embed="rId2" cstate="print"/>
           <a:stretch/>
         </p:blipFill>
         <p:spPr>
@@ -433,11 +545,14 @@
       </p:pic>
     </p:spTree>
   </p:cSld>
+  <p:clrMapOvr>
+    <a:masterClrMapping/>
+  </p:clrMapOvr>
 </p:sldLayout>
 </file>
 
 <file path=ppt/slideLayouts/slideLayout2.xml><?xml version="1.0" encoding="utf-8"?>
-<p:sldLayout xmlns:a="http://schemas.openxmlformats.org/drawingml/2006/main" xmlns:p="http://schemas.openxmlformats.org/presentationml/2006/main" xmlns:r="http://schemas.openxmlformats.org/officeDocument/2006/relationships" type="tx" preserve="1">
+<p:sldLayout xmlns:a="http://schemas.openxmlformats.org/drawingml/2006/main" xmlns:r="http://schemas.openxmlformats.org/officeDocument/2006/relationships" xmlns:p="http://schemas.openxmlformats.org/presentationml/2006/main" type="tx" preserve="1">
   <p:cSld name="Title Slide">
     <p:spTree>
       <p:nvGrpSpPr>
@@ -473,9 +588,9 @@
           </a:prstGeom>
         </p:spPr>
         <p:txBody>
-          <a:bodyPr lIns="0" rIns="0" tIns="0" bIns="0" anchor="ctr"/>
-          <a:p>
-            <a:pPr algn="ctr"/>
+          <a:bodyPr lIns="0" tIns="0" rIns="0" bIns="0" anchor="ctr"/>
+          <a:lstStyle/>
+          <a:p>
             <a:endParaRPr/>
           </a:p>
         </p:txBody>
@@ -500,7 +615,8 @@
           </a:prstGeom>
         </p:spPr>
         <p:txBody>
-          <a:bodyPr lIns="0" rIns="0" tIns="0" bIns="0" anchor="ctr"/>
+          <a:bodyPr lIns="0" tIns="0" rIns="0" bIns="0" anchor="ctr"/>
+          <a:lstStyle/>
           <a:p>
             <a:pPr algn="ctr"/>
             <a:endParaRPr/>
@@ -509,11 +625,14 @@
       </p:sp>
     </p:spTree>
   </p:cSld>
+  <p:clrMapOvr>
+    <a:masterClrMapping/>
+  </p:clrMapOvr>
 </p:sldLayout>
 </file>
 
 <file path=ppt/slideLayouts/slideLayout3.xml><?xml version="1.0" encoding="utf-8"?>
-<p:sldLayout xmlns:a="http://schemas.openxmlformats.org/drawingml/2006/main" xmlns:p="http://schemas.openxmlformats.org/presentationml/2006/main" xmlns:r="http://schemas.openxmlformats.org/officeDocument/2006/relationships" type="obj" preserve="1">
+<p:sldLayout xmlns:a="http://schemas.openxmlformats.org/drawingml/2006/main" xmlns:r="http://schemas.openxmlformats.org/officeDocument/2006/relationships" xmlns:p="http://schemas.openxmlformats.org/presentationml/2006/main" type="obj" preserve="1">
   <p:cSld name="Title, Content">
     <p:spTree>
       <p:nvGrpSpPr>
@@ -549,9 +668,9 @@
           </a:prstGeom>
         </p:spPr>
         <p:txBody>
-          <a:bodyPr lIns="0" rIns="0" tIns="0" bIns="0" anchor="ctr"/>
-          <a:p>
-            <a:pPr algn="ctr"/>
+          <a:bodyPr lIns="0" tIns="0" rIns="0" bIns="0" anchor="ctr"/>
+          <a:lstStyle/>
+          <a:p>
             <a:endParaRPr/>
           </a:p>
         </p:txBody>
@@ -576,7 +695,8 @@
           </a:prstGeom>
         </p:spPr>
         <p:txBody>
-          <a:bodyPr lIns="0" rIns="0" tIns="0" bIns="0"/>
+          <a:bodyPr lIns="0" tIns="0" rIns="0" bIns="0"/>
+          <a:lstStyle/>
           <a:p>
             <a:endParaRPr/>
           </a:p>
@@ -584,11 +704,14 @@
       </p:sp>
     </p:spTree>
   </p:cSld>
+  <p:clrMapOvr>
+    <a:masterClrMapping/>
+  </p:clrMapOvr>
 </p:sldLayout>
 </file>
 
 <file path=ppt/slideLayouts/slideLayout4.xml><?xml version="1.0" encoding="utf-8"?>
-<p:sldLayout xmlns:a="http://schemas.openxmlformats.org/drawingml/2006/main" xmlns:p="http://schemas.openxmlformats.org/presentationml/2006/main" xmlns:r="http://schemas.openxmlformats.org/officeDocument/2006/relationships" type="twoObj" preserve="1">
+<p:sldLayout xmlns:a="http://schemas.openxmlformats.org/drawingml/2006/main" xmlns:r="http://schemas.openxmlformats.org/officeDocument/2006/relationships" xmlns:p="http://schemas.openxmlformats.org/presentationml/2006/main" type="twoObj" preserve="1">
   <p:cSld name="Title, 2 Content">
     <p:spTree>
       <p:nvGrpSpPr>
@@ -624,9 +747,9 @@
           </a:prstGeom>
         </p:spPr>
         <p:txBody>
-          <a:bodyPr lIns="0" rIns="0" tIns="0" bIns="0" anchor="ctr"/>
-          <a:p>
-            <a:pPr algn="ctr"/>
+          <a:bodyPr lIns="0" tIns="0" rIns="0" bIns="0" anchor="ctr"/>
+          <a:lstStyle/>
+          <a:p>
             <a:endParaRPr/>
           </a:p>
         </p:txBody>
@@ -651,7 +774,8 @@
           </a:prstGeom>
         </p:spPr>
         <p:txBody>
-          <a:bodyPr lIns="0" rIns="0" tIns="0" bIns="0"/>
+          <a:bodyPr lIns="0" tIns="0" rIns="0" bIns="0"/>
+          <a:lstStyle/>
           <a:p>
             <a:endParaRPr/>
           </a:p>
@@ -677,7 +801,8 @@
           </a:prstGeom>
         </p:spPr>
         <p:txBody>
-          <a:bodyPr lIns="0" rIns="0" tIns="0" bIns="0"/>
+          <a:bodyPr lIns="0" tIns="0" rIns="0" bIns="0"/>
+          <a:lstStyle/>
           <a:p>
             <a:endParaRPr/>
           </a:p>
@@ -685,11 +810,14 @@
       </p:sp>
     </p:spTree>
   </p:cSld>
+  <p:clrMapOvr>
+    <a:masterClrMapping/>
+  </p:clrMapOvr>
 </p:sldLayout>
 </file>
 
 <file path=ppt/slideLayouts/slideLayout5.xml><?xml version="1.0" encoding="utf-8"?>
-<p:sldLayout xmlns:a="http://schemas.openxmlformats.org/drawingml/2006/main" xmlns:p="http://schemas.openxmlformats.org/presentationml/2006/main" xmlns:r="http://schemas.openxmlformats.org/officeDocument/2006/relationships" type="titleOnly" preserve="1">
+<p:sldLayout xmlns:a="http://schemas.openxmlformats.org/drawingml/2006/main" xmlns:r="http://schemas.openxmlformats.org/officeDocument/2006/relationships" xmlns:p="http://schemas.openxmlformats.org/presentationml/2006/main" type="titleOnly" preserve="1">
   <p:cSld name="Title Only">
     <p:spTree>
       <p:nvGrpSpPr>
@@ -725,20 +853,23 @@
           </a:prstGeom>
         </p:spPr>
         <p:txBody>
-          <a:bodyPr lIns="0" rIns="0" tIns="0" bIns="0" anchor="ctr"/>
-          <a:p>
-            <a:pPr algn="ctr"/>
+          <a:bodyPr lIns="0" tIns="0" rIns="0" bIns="0" anchor="ctr"/>
+          <a:lstStyle/>
+          <a:p>
             <a:endParaRPr/>
           </a:p>
         </p:txBody>
       </p:sp>
     </p:spTree>
   </p:cSld>
+  <p:clrMapOvr>
+    <a:masterClrMapping/>
+  </p:clrMapOvr>
 </p:sldLayout>
 </file>
 
 <file path=ppt/slideLayouts/slideLayout6.xml><?xml version="1.0" encoding="utf-8"?>
-<p:sldLayout xmlns:a="http://schemas.openxmlformats.org/drawingml/2006/main" xmlns:p="http://schemas.openxmlformats.org/presentationml/2006/main" xmlns:r="http://schemas.openxmlformats.org/officeDocument/2006/relationships" type="objOnly" preserve="1">
+<p:sldLayout xmlns:a="http://schemas.openxmlformats.org/drawingml/2006/main" xmlns:r="http://schemas.openxmlformats.org/officeDocument/2006/relationships" xmlns:p="http://schemas.openxmlformats.org/presentationml/2006/main" type="objOnly" preserve="1">
   <p:cSld name="Centered Text">
     <p:spTree>
       <p:nvGrpSpPr>
@@ -774,7 +905,8 @@
           </a:prstGeom>
         </p:spPr>
         <p:txBody>
-          <a:bodyPr lIns="0" rIns="0" tIns="0" bIns="0" anchor="ctr"/>
+          <a:bodyPr lIns="0" tIns="0" rIns="0" bIns="0" anchor="ctr"/>
+          <a:lstStyle/>
           <a:p>
             <a:pPr algn="ctr"/>
             <a:endParaRPr/>
@@ -783,11 +915,14 @@
       </p:sp>
     </p:spTree>
   </p:cSld>
+  <p:clrMapOvr>
+    <a:masterClrMapping/>
+  </p:clrMapOvr>
 </p:sldLayout>
 </file>
 
 <file path=ppt/slideLayouts/slideLayout7.xml><?xml version="1.0" encoding="utf-8"?>
-<p:sldLayout xmlns:a="http://schemas.openxmlformats.org/drawingml/2006/main" xmlns:p="http://schemas.openxmlformats.org/presentationml/2006/main" xmlns:r="http://schemas.openxmlformats.org/officeDocument/2006/relationships" type="twoObjAndObj" preserve="1">
+<p:sldLayout xmlns:a="http://schemas.openxmlformats.org/drawingml/2006/main" xmlns:r="http://schemas.openxmlformats.org/officeDocument/2006/relationships" xmlns:p="http://schemas.openxmlformats.org/presentationml/2006/main" type="twoObjAndObj" preserve="1">
   <p:cSld name="Title, 2 Content and Content">
     <p:spTree>
       <p:nvGrpSpPr>
@@ -823,9 +958,9 @@
           </a:prstGeom>
         </p:spPr>
         <p:txBody>
-          <a:bodyPr lIns="0" rIns="0" tIns="0" bIns="0" anchor="ctr"/>
-          <a:p>
-            <a:pPr algn="ctr"/>
+          <a:bodyPr lIns="0" tIns="0" rIns="0" bIns="0" anchor="ctr"/>
+          <a:lstStyle/>
+          <a:p>
             <a:endParaRPr/>
           </a:p>
         </p:txBody>
@@ -850,7 +985,8 @@
           </a:prstGeom>
         </p:spPr>
         <p:txBody>
-          <a:bodyPr lIns="0" rIns="0" tIns="0" bIns="0"/>
+          <a:bodyPr lIns="0" tIns="0" rIns="0" bIns="0"/>
+          <a:lstStyle/>
           <a:p>
             <a:endParaRPr/>
           </a:p>
@@ -876,7 +1012,8 @@
           </a:prstGeom>
         </p:spPr>
         <p:txBody>
-          <a:bodyPr lIns="0" rIns="0" tIns="0" bIns="0"/>
+          <a:bodyPr lIns="0" tIns="0" rIns="0" bIns="0"/>
+          <a:lstStyle/>
           <a:p>
             <a:endParaRPr/>
           </a:p>
@@ -902,7 +1039,8 @@
           </a:prstGeom>
         </p:spPr>
         <p:txBody>
-          <a:bodyPr lIns="0" rIns="0" tIns="0" bIns="0"/>
+          <a:bodyPr lIns="0" tIns="0" rIns="0" bIns="0"/>
+          <a:lstStyle/>
           <a:p>
             <a:endParaRPr/>
           </a:p>
@@ -910,11 +1048,14 @@
       </p:sp>
     </p:spTree>
   </p:cSld>
+  <p:clrMapOvr>
+    <a:masterClrMapping/>
+  </p:clrMapOvr>
 </p:sldLayout>
 </file>
 
 <file path=ppt/slideLayouts/slideLayout8.xml><?xml version="1.0" encoding="utf-8"?>
-<p:sldLayout xmlns:a="http://schemas.openxmlformats.org/drawingml/2006/main" xmlns:p="http://schemas.openxmlformats.org/presentationml/2006/main" xmlns:r="http://schemas.openxmlformats.org/officeDocument/2006/relationships" type="objAndTwoObj" preserve="1">
+<p:sldLayout xmlns:a="http://schemas.openxmlformats.org/drawingml/2006/main" xmlns:r="http://schemas.openxmlformats.org/officeDocument/2006/relationships" xmlns:p="http://schemas.openxmlformats.org/presentationml/2006/main" type="objAndTwoObj" preserve="1">
   <p:cSld name="Title Content and 2 Content">
     <p:spTree>
       <p:nvGrpSpPr>
@@ -950,9 +1091,9 @@
           </a:prstGeom>
         </p:spPr>
         <p:txBody>
-          <a:bodyPr lIns="0" rIns="0" tIns="0" bIns="0" anchor="ctr"/>
-          <a:p>
-            <a:pPr algn="ctr"/>
+          <a:bodyPr lIns="0" tIns="0" rIns="0" bIns="0" anchor="ctr"/>
+          <a:lstStyle/>
+          <a:p>
             <a:endParaRPr/>
           </a:p>
         </p:txBody>
@@ -977,7 +1118,8 @@
           </a:prstGeom>
         </p:spPr>
         <p:txBody>
-          <a:bodyPr lIns="0" rIns="0" tIns="0" bIns="0"/>
+          <a:bodyPr lIns="0" tIns="0" rIns="0" bIns="0"/>
+          <a:lstStyle/>
           <a:p>
             <a:endParaRPr/>
           </a:p>
@@ -1003,7 +1145,8 @@
           </a:prstGeom>
         </p:spPr>
         <p:txBody>
-          <a:bodyPr lIns="0" rIns="0" tIns="0" bIns="0"/>
+          <a:bodyPr lIns="0" tIns="0" rIns="0" bIns="0"/>
+          <a:lstStyle/>
           <a:p>
             <a:endParaRPr/>
           </a:p>
@@ -1029,7 +1172,8 @@
           </a:prstGeom>
         </p:spPr>
         <p:txBody>
-          <a:bodyPr lIns="0" rIns="0" tIns="0" bIns="0"/>
+          <a:bodyPr lIns="0" tIns="0" rIns="0" bIns="0"/>
+          <a:lstStyle/>
           <a:p>
             <a:endParaRPr/>
           </a:p>
@@ -1037,11 +1181,14 @@
       </p:sp>
     </p:spTree>
   </p:cSld>
+  <p:clrMapOvr>
+    <a:masterClrMapping/>
+  </p:clrMapOvr>
 </p:sldLayout>
 </file>
 
 <file path=ppt/slideLayouts/slideLayout9.xml><?xml version="1.0" encoding="utf-8"?>
-<p:sldLayout xmlns:a="http://schemas.openxmlformats.org/drawingml/2006/main" xmlns:p="http://schemas.openxmlformats.org/presentationml/2006/main" xmlns:r="http://schemas.openxmlformats.org/officeDocument/2006/relationships" type="twoObjOverTx" preserve="1">
+<p:sldLayout xmlns:a="http://schemas.openxmlformats.org/drawingml/2006/main" xmlns:r="http://schemas.openxmlformats.org/officeDocument/2006/relationships" xmlns:p="http://schemas.openxmlformats.org/presentationml/2006/main" type="twoObjOverTx" preserve="1">
   <p:cSld name="Title, 2 Content over Content">
     <p:spTree>
       <p:nvGrpSpPr>
@@ -1077,9 +1224,9 @@
           </a:prstGeom>
         </p:spPr>
         <p:txBody>
-          <a:bodyPr lIns="0" rIns="0" tIns="0" bIns="0" anchor="ctr"/>
-          <a:p>
-            <a:pPr algn="ctr"/>
+          <a:bodyPr lIns="0" tIns="0" rIns="0" bIns="0" anchor="ctr"/>
+          <a:lstStyle/>
+          <a:p>
             <a:endParaRPr/>
           </a:p>
         </p:txBody>
@@ -1104,7 +1251,8 @@
           </a:prstGeom>
         </p:spPr>
         <p:txBody>
-          <a:bodyPr lIns="0" rIns="0" tIns="0" bIns="0"/>
+          <a:bodyPr lIns="0" tIns="0" rIns="0" bIns="0"/>
+          <a:lstStyle/>
           <a:p>
             <a:endParaRPr/>
           </a:p>
@@ -1130,7 +1278,8 @@
           </a:prstGeom>
         </p:spPr>
         <p:txBody>
-          <a:bodyPr lIns="0" rIns="0" tIns="0" bIns="0"/>
+          <a:bodyPr lIns="0" tIns="0" rIns="0" bIns="0"/>
+          <a:lstStyle/>
           <a:p>
             <a:endParaRPr/>
           </a:p>
@@ -1156,7 +1305,8 @@
           </a:prstGeom>
         </p:spPr>
         <p:txBody>
-          <a:bodyPr lIns="0" rIns="0" tIns="0" bIns="0"/>
+          <a:bodyPr lIns="0" tIns="0" rIns="0" bIns="0"/>
+          <a:lstStyle/>
           <a:p>
             <a:endParaRPr/>
           </a:p>
@@ -1164,11 +1314,14 @@
       </p:sp>
     </p:spTree>
   </p:cSld>
+  <p:clrMapOvr>
+    <a:masterClrMapping/>
+  </p:clrMapOvr>
 </p:sldLayout>
 </file>
 
 <file path=ppt/slideMasters/slideMaster1.xml><?xml version="1.0" encoding="utf-8"?>
-<p:sldMaster xmlns:a="http://schemas.openxmlformats.org/drawingml/2006/main" xmlns:p="http://schemas.openxmlformats.org/presentationml/2006/main" xmlns:r="http://schemas.openxmlformats.org/officeDocument/2006/relationships">
+<p:sldMaster xmlns:a="http://schemas.openxmlformats.org/drawingml/2006/main" xmlns:r="http://schemas.openxmlformats.org/officeDocument/2006/relationships" xmlns:p="http://schemas.openxmlformats.org/presentationml/2006/main">
   <p:cSld>
     <p:spTree>
       <p:nvGrpSpPr>
@@ -1186,18 +1339,18 @@
       </p:grpSpPr>
       <p:pic>
         <p:nvPicPr>
-          <p:cNvPr id="0" name="Picture 4294967295" descr=""/>
+          <p:cNvPr id="3" name="Picture 4294967295"/>
           <p:cNvPicPr/>
           <p:nvPr/>
         </p:nvPicPr>
         <p:blipFill>
-          <a:blip r:embed="rId2"/>
+          <a:blip r:embed="rId14" cstate="print"/>
           <a:stretch/>
         </p:blipFill>
         <p:spPr>
           <a:xfrm>
             <a:off x="0" y="0"/>
-            <a:ext cx="6854400" cy="9135360"/>
+            <a:ext cx="6854040" cy="9135000"/>
           </a:xfrm>
           <a:prstGeom prst="rect">
             <a:avLst/>
@@ -1209,7 +1362,7 @@
       </p:pic>
       <p:sp>
         <p:nvSpPr>
-          <p:cNvPr id="1" name="PlaceHolder 1"/>
+          <p:cNvPr id="4" name="PlaceHolder 1"/>
           <p:cNvSpPr>
             <a:spLocks noGrp="1"/>
           </p:cNvSpPr>
@@ -1227,11 +1380,11 @@
           </a:prstGeom>
         </p:spPr>
         <p:txBody>
-          <a:bodyPr lIns="0" rIns="0" tIns="0" bIns="0" anchor="ctr"/>
-          <a:p>
-            <a:pPr algn="ctr"/>
+          <a:bodyPr lIns="0" tIns="0" rIns="0" bIns="0" anchor="ctr"/>
+          <a:lstStyle/>
+          <a:p>
             <a:r>
-              <a:rPr lang="en-US" sz="4400">
+              <a:rPr lang="en-US">
                 <a:latin typeface="Arial"/>
               </a:rPr>
               <a:t>Click to edit the title text format</a:t>
@@ -1260,7 +1413,8 @@
           </a:prstGeom>
         </p:spPr>
         <p:txBody>
-          <a:bodyPr lIns="0" rIns="0" tIns="0" bIns="0"/>
+          <a:bodyPr lIns="0" tIns="0" rIns="0" bIns="0"/>
+          <a:lstStyle/>
           <a:p>
             <a:pPr>
               <a:buSzPct val="45000"/>
@@ -1268,7 +1422,7 @@
               <a:buChar char=""/>
             </a:pPr>
             <a:r>
-              <a:rPr lang="en-US" sz="3200">
+              <a:rPr lang="en-US">
                 <a:latin typeface="Arial"/>
               </a:rPr>
               <a:t>Click to edit the outline text format</a:t>
@@ -1282,7 +1436,7 @@
               <a:buChar char=""/>
             </a:pPr>
             <a:r>
-              <a:rPr lang="en-US" sz="2800">
+              <a:rPr lang="en-US">
                 <a:latin typeface="Arial"/>
               </a:rPr>
               <a:t>Second Outline Level</a:t>
@@ -1296,7 +1450,7 @@
               <a:buChar char=""/>
             </a:pPr>
             <a:r>
-              <a:rPr lang="en-US" sz="2400">
+              <a:rPr lang="en-US">
                 <a:latin typeface="Arial"/>
               </a:rPr>
               <a:t>Third Outline Level</a:t>
@@ -1310,7 +1464,7 @@
               <a:buChar char=""/>
             </a:pPr>
             <a:r>
-              <a:rPr lang="en-US" sz="2000">
+              <a:rPr lang="en-US">
                 <a:latin typeface="Arial"/>
               </a:rPr>
               <a:t>Fourth Outline Level</a:t>
@@ -1363,26 +1517,31 @@
       </p:sp>
     </p:spTree>
   </p:cSld>
-  <p:clrMap bg1="lt1" bg2="lt2" tx1="dk1" tx2="dk2" accent1="accent1" accent2="accent2" accent3="accent3" accent4="accent4" accent5="accent5" accent6="accent6" hlink="hlink" folHlink="folHlink"/>
+  <p:clrMap bg1="lt1" tx1="dk1" bg2="lt2" tx2="dk2" accent1="accent1" accent2="accent2" accent3="accent3" accent4="accent4" accent5="accent5" accent6="accent6" hlink="hlink" folHlink="folHlink"/>
   <p:sldLayoutIdLst>
-    <p:sldLayoutId id="2147483649" r:id="rId3"/>
-    <p:sldLayoutId id="2147483650" r:id="rId4"/>
-    <p:sldLayoutId id="2147483651" r:id="rId5"/>
-    <p:sldLayoutId id="2147483652" r:id="rId6"/>
-    <p:sldLayoutId id="2147483653" r:id="rId7"/>
-    <p:sldLayoutId id="2147483654" r:id="rId8"/>
-    <p:sldLayoutId id="2147483655" r:id="rId9"/>
-    <p:sldLayoutId id="2147483656" r:id="rId10"/>
-    <p:sldLayoutId id="2147483657" r:id="rId11"/>
-    <p:sldLayoutId id="2147483658" r:id="rId12"/>
-    <p:sldLayoutId id="2147483659" r:id="rId13"/>
-    <p:sldLayoutId id="2147483660" r:id="rId14"/>
+    <p:sldLayoutId id="2147483649" r:id="rId1"/>
+    <p:sldLayoutId id="2147483650" r:id="rId2"/>
+    <p:sldLayoutId id="2147483651" r:id="rId3"/>
+    <p:sldLayoutId id="2147483652" r:id="rId4"/>
+    <p:sldLayoutId id="2147483653" r:id="rId5"/>
+    <p:sldLayoutId id="2147483654" r:id="rId6"/>
+    <p:sldLayoutId id="2147483655" r:id="rId7"/>
+    <p:sldLayoutId id="2147483656" r:id="rId8"/>
+    <p:sldLayoutId id="2147483657" r:id="rId9"/>
+    <p:sldLayoutId id="2147483658" r:id="rId10"/>
+    <p:sldLayoutId id="2147483659" r:id="rId11"/>
+    <p:sldLayoutId id="2147483660" r:id="rId12"/>
   </p:sldLayoutIdLst>
+  <p:txStyles>
+    <p:titleStyle/>
+    <p:bodyStyle/>
+    <p:otherStyle/>
+  </p:txStyles>
 </p:sldMaster>
 </file>
 
 <file path=ppt/slides/slide1.xml><?xml version="1.0" encoding="utf-8"?>
-<p:sld xmlns:a="http://schemas.openxmlformats.org/drawingml/2006/main" xmlns:p="http://schemas.openxmlformats.org/presentationml/2006/main" xmlns:r="http://schemas.openxmlformats.org/officeDocument/2006/relationships">
+<p:sld xmlns:a="http://schemas.openxmlformats.org/drawingml/2006/main" xmlns:r="http://schemas.openxmlformats.org/officeDocument/2006/relationships" xmlns:p="http://schemas.openxmlformats.org/presentationml/2006/main">
   <p:cSld>
     <p:spTree>
       <p:nvGrpSpPr>
@@ -1400,18 +1559,18 @@
       </p:grpSpPr>
       <p:pic>
         <p:nvPicPr>
-          <p:cNvPr id="37" name="" descr=""/>
+          <p:cNvPr id="37" name="Picture 36"/>
           <p:cNvPicPr/>
           <p:nvPr/>
         </p:nvPicPr>
         <p:blipFill>
-          <a:blip r:embed="rId1"/>
+          <a:blip r:embed="rId2" cstate="print"/>
           <a:stretch/>
         </p:blipFill>
         <p:spPr>
           <a:xfrm>
-            <a:off x="640080" y="8639280"/>
-            <a:ext cx="5740200" cy="547560"/>
+            <a:off x="558720" y="8447400"/>
+            <a:ext cx="5739840" cy="723240"/>
           </a:xfrm>
           <a:prstGeom prst="rect">
             <a:avLst/>
@@ -1429,8 +1588,8 @@
         </p:nvSpPr>
         <p:spPr>
           <a:xfrm>
-            <a:off x="514440" y="3860640"/>
-            <a:ext cx="5824800" cy="1954800"/>
+            <a:off x="516240" y="3860640"/>
+            <a:ext cx="5824440" cy="1954440"/>
           </a:xfrm>
           <a:prstGeom prst="rect">
             <a:avLst/>
@@ -1441,9 +1600,15 @@
           </a:ln>
         </p:spPr>
         <p:style>
-          <a:lnRef idx="0"/>
-          <a:fillRef idx="0"/>
-          <a:effectRef idx="0"/>
+          <a:lnRef idx="0">
+            <a:scrgbClr r="0" g="0" b="0"/>
+          </a:lnRef>
+          <a:fillRef idx="0">
+            <a:scrgbClr r="0" g="0" b="0"/>
+          </a:fillRef>
+          <a:effectRef idx="0">
+            <a:scrgbClr r="0" g="0" b="0"/>
+          </a:effectRef>
           <a:fontRef idx="minor"/>
         </p:style>
       </p:sp>
@@ -1455,8 +1620,8 @@
         </p:nvSpPr>
         <p:spPr>
           <a:xfrm>
-            <a:off x="1121760" y="1828800"/>
-            <a:ext cx="4545000" cy="928440"/>
+            <a:off x="1156140" y="1828800"/>
+            <a:ext cx="4544640" cy="928080"/>
           </a:xfrm>
           <a:prstGeom prst="rect">
             <a:avLst/>
@@ -1467,13 +1632,20 @@
           </a:ln>
         </p:spPr>
         <p:style>
-          <a:lnRef idx="0"/>
-          <a:fillRef idx="0"/>
-          <a:effectRef idx="0"/>
+          <a:lnRef idx="0">
+            <a:scrgbClr r="0" g="0" b="0"/>
+          </a:lnRef>
+          <a:fillRef idx="0">
+            <a:scrgbClr r="0" g="0" b="0"/>
+          </a:fillRef>
+          <a:effectRef idx="0">
+            <a:scrgbClr r="0" g="0" b="0"/>
+          </a:effectRef>
           <a:fontRef idx="minor"/>
         </p:style>
         <p:txBody>
-          <a:bodyPr lIns="90000" rIns="90000" tIns="45000" bIns="45000"/>
+          <a:bodyPr lIns="90000" tIns="45000" rIns="90000" bIns="45000"/>
+          <a:lstStyle/>
           <a:p>
             <a:pPr algn="ctr">
               <a:lnSpc>
@@ -1483,7 +1655,7 @@
             <a:r>
               <a:rPr lang="en-US" sz="4000" strike="noStrike">
                 <a:solidFill>
-                  <a:srgbClr val="2323dc"/>
+                  <a:srgbClr val="2323DC"/>
                 </a:solidFill>
                 <a:latin typeface="Corbel"/>
                 <a:ea typeface="DejaVu Sans"/>
@@ -1502,8 +1674,8 @@
         </p:nvSpPr>
         <p:spPr>
           <a:xfrm>
-            <a:off x="198720" y="182880"/>
-            <a:ext cx="1901160" cy="1110960"/>
+            <a:off x="228600" y="152280"/>
+            <a:ext cx="1900800" cy="1110600"/>
           </a:xfrm>
           <a:prstGeom prst="rect">
             <a:avLst/>
@@ -1514,13 +1686,20 @@
           </a:ln>
         </p:spPr>
         <p:style>
-          <a:lnRef idx="0"/>
-          <a:fillRef idx="0"/>
-          <a:effectRef idx="0"/>
+          <a:lnRef idx="0">
+            <a:scrgbClr r="0" g="0" b="0"/>
+          </a:lnRef>
+          <a:fillRef idx="0">
+            <a:scrgbClr r="0" g="0" b="0"/>
+          </a:fillRef>
+          <a:effectRef idx="0">
+            <a:scrgbClr r="0" g="0" b="0"/>
+          </a:effectRef>
           <a:fontRef idx="minor"/>
         </p:style>
         <p:txBody>
-          <a:bodyPr lIns="90000" rIns="90000" tIns="45000" bIns="45000"/>
+          <a:bodyPr lIns="90000" tIns="45000" rIns="90000" bIns="45000"/>
+          <a:lstStyle/>
           <a:p>
             <a:pPr>
               <a:lnSpc>
@@ -1603,8 +1782,8 @@
         </p:nvSpPr>
         <p:spPr>
           <a:xfrm>
-            <a:off x="1188720" y="2249640"/>
-            <a:ext cx="4385880" cy="928440"/>
+            <a:off x="1235700" y="2438280"/>
+            <a:ext cx="4385520" cy="928080"/>
           </a:xfrm>
           <a:prstGeom prst="rect">
             <a:avLst/>
@@ -1615,13 +1794,20 @@
           </a:ln>
         </p:spPr>
         <p:style>
-          <a:lnRef idx="0"/>
-          <a:fillRef idx="0"/>
-          <a:effectRef idx="0"/>
+          <a:lnRef idx="0">
+            <a:scrgbClr r="0" g="0" b="0"/>
+          </a:lnRef>
+          <a:fillRef idx="0">
+            <a:scrgbClr r="0" g="0" b="0"/>
+          </a:fillRef>
+          <a:effectRef idx="0">
+            <a:scrgbClr r="0" g="0" b="0"/>
+          </a:effectRef>
           <a:fontRef idx="minor"/>
         </p:style>
         <p:txBody>
-          <a:bodyPr lIns="90000" rIns="90000" tIns="45000" bIns="45000"/>
+          <a:bodyPr lIns="90000" tIns="45000" rIns="90000" bIns="45000"/>
+          <a:lstStyle/>
           <a:p>
             <a:pPr algn="ctr">
               <a:lnSpc>
@@ -1631,7 +1817,7 @@
             <a:r>
               <a:rPr lang="en-US" sz="4000" strike="noStrike">
                 <a:solidFill>
-                  <a:srgbClr val="dc2300"/>
+                  <a:srgbClr val="DC2300"/>
                 </a:solidFill>
                 <a:latin typeface="Corbel"/>
                 <a:ea typeface="DejaVu Sans"/>
@@ -1650,8 +1836,8 @@
         </p:nvSpPr>
         <p:spPr>
           <a:xfrm>
-            <a:off x="822960" y="2817360"/>
-            <a:ext cx="5483520" cy="928440"/>
+            <a:off x="686880" y="2971800"/>
+            <a:ext cx="5483160" cy="928080"/>
           </a:xfrm>
           <a:prstGeom prst="rect">
             <a:avLst/>
@@ -1662,13 +1848,20 @@
           </a:ln>
         </p:spPr>
         <p:style>
-          <a:lnRef idx="0"/>
-          <a:fillRef idx="0"/>
-          <a:effectRef idx="0"/>
+          <a:lnRef idx="0">
+            <a:scrgbClr r="0" g="0" b="0"/>
+          </a:lnRef>
+          <a:fillRef idx="0">
+            <a:scrgbClr r="0" g="0" b="0"/>
+          </a:fillRef>
+          <a:effectRef idx="0">
+            <a:scrgbClr r="0" g="0" b="0"/>
+          </a:effectRef>
           <a:fontRef idx="minor"/>
         </p:style>
         <p:txBody>
-          <a:bodyPr lIns="90000" rIns="90000" tIns="45000" bIns="45000"/>
+          <a:bodyPr lIns="90000" tIns="45000" rIns="90000" bIns="45000"/>
+          <a:lstStyle/>
           <a:p>
             <a:pPr algn="ctr">
               <a:lnSpc>
@@ -1691,18 +1884,18 @@
       </p:sp>
       <p:pic>
         <p:nvPicPr>
-          <p:cNvPr id="43" name="Picture 41" descr=""/>
+          <p:cNvPr id="43" name="Picture 42"/>
           <p:cNvPicPr/>
           <p:nvPr/>
         </p:nvPicPr>
         <p:blipFill>
-          <a:blip r:embed=""/>
+          <a:blip r:embed="rId3" cstate="print"/>
           <a:stretch/>
         </p:blipFill>
         <p:spPr>
           <a:xfrm>
-            <a:off x="2651760" y="160200"/>
-            <a:ext cx="1582200" cy="1666080"/>
+            <a:off x="0" y="7589520"/>
+            <a:ext cx="546120" cy="1552320"/>
           </a:xfrm>
           <a:prstGeom prst="rect">
             <a:avLst/>
@@ -1714,18 +1907,18 @@
       </p:pic>
       <p:pic>
         <p:nvPicPr>
-          <p:cNvPr id="44" name="Picture 42" descr=""/>
+          <p:cNvPr id="44" name="Picture 43"/>
           <p:cNvPicPr/>
           <p:nvPr/>
         </p:nvPicPr>
         <p:blipFill>
-          <a:blip r:embed="rId2"/>
+          <a:blip r:embed="rId3" cstate="print"/>
           <a:stretch/>
         </p:blipFill>
         <p:spPr>
           <a:xfrm>
-            <a:off x="0" y="7589520"/>
-            <a:ext cx="546480" cy="1552680"/>
+            <a:off x="546840" y="8048160"/>
+            <a:ext cx="363240" cy="1095120"/>
           </a:xfrm>
           <a:prstGeom prst="rect">
             <a:avLst/>
@@ -1737,18 +1930,18 @@
       </p:pic>
       <p:pic>
         <p:nvPicPr>
-          <p:cNvPr id="45" name="Picture 43" descr=""/>
+          <p:cNvPr id="45" name="Picture 44"/>
           <p:cNvPicPr/>
           <p:nvPr/>
         </p:nvPicPr>
         <p:blipFill>
-          <a:blip r:embed="rId3"/>
+          <a:blip r:embed="rId4" cstate="print"/>
           <a:stretch/>
         </p:blipFill>
         <p:spPr>
           <a:xfrm>
-            <a:off x="546840" y="8048160"/>
-            <a:ext cx="363600" cy="1095480"/>
+            <a:off x="2606220" y="182880"/>
+            <a:ext cx="1644480" cy="1643040"/>
           </a:xfrm>
           <a:prstGeom prst="rect">
             <a:avLst/>
@@ -1760,18 +1953,18 @@
       </p:pic>
       <p:pic>
         <p:nvPicPr>
-          <p:cNvPr id="46" name="Picture 44" descr=""/>
+          <p:cNvPr id="46" name="Picture 45"/>
           <p:cNvPicPr/>
           <p:nvPr/>
         </p:nvPicPr>
         <p:blipFill>
-          <a:blip r:embed="rId4"/>
+          <a:blip r:embed="rId5" cstate="print"/>
           <a:stretch/>
         </p:blipFill>
         <p:spPr>
           <a:xfrm>
-            <a:off x="2621520" y="182880"/>
-            <a:ext cx="1644840" cy="1643400"/>
+            <a:off x="1381680" y="8348400"/>
+            <a:ext cx="3190680" cy="763560"/>
           </a:xfrm>
           <a:prstGeom prst="rect">
             <a:avLst/>
@@ -1783,18 +1976,18 @@
       </p:pic>
       <p:pic>
         <p:nvPicPr>
-          <p:cNvPr id="47" name="Picture 45" descr=""/>
+          <p:cNvPr id="47" name="Picture 46"/>
           <p:cNvPicPr/>
           <p:nvPr/>
         </p:nvPicPr>
         <p:blipFill>
-          <a:blip r:embed="rId5"/>
+          <a:blip r:embed="rId6" cstate="print"/>
           <a:stretch/>
         </p:blipFill>
         <p:spPr>
           <a:xfrm>
-            <a:off x="1463040" y="8348400"/>
-            <a:ext cx="3191040" cy="763920"/>
+            <a:off x="4574160" y="8348400"/>
+            <a:ext cx="920520" cy="769320"/>
           </a:xfrm>
           <a:prstGeom prst="rect">
             <a:avLst/>
@@ -1806,18 +1999,18 @@
       </p:pic>
       <p:pic>
         <p:nvPicPr>
-          <p:cNvPr id="48" name="Picture 46" descr=""/>
+          <p:cNvPr id="48" name="Picture 49"/>
           <p:cNvPicPr/>
           <p:nvPr/>
         </p:nvPicPr>
         <p:blipFill>
-          <a:blip r:embed="rId6"/>
+          <a:blip r:embed="rId7" cstate="print"/>
           <a:stretch/>
         </p:blipFill>
         <p:spPr>
           <a:xfrm>
-            <a:off x="4655520" y="8348400"/>
-            <a:ext cx="920880" cy="769680"/>
+            <a:off x="558720" y="8348400"/>
+            <a:ext cx="827640" cy="796680"/>
           </a:xfrm>
           <a:prstGeom prst="rect">
             <a:avLst/>
@@ -1829,18 +2022,18 @@
       </p:pic>
       <p:pic>
         <p:nvPicPr>
-          <p:cNvPr id="49" name="Picture 47" descr=""/>
+          <p:cNvPr id="49" name="Picture 50"/>
           <p:cNvPicPr/>
           <p:nvPr/>
         </p:nvPicPr>
         <p:blipFill>
-          <a:blip r:embed="rId7"/>
+          <a:blip r:embed="rId8" cstate="print"/>
           <a:stretch/>
         </p:blipFill>
         <p:spPr>
           <a:xfrm>
-            <a:off x="0" y="4395960"/>
-            <a:ext cx="6856920" cy="3422880"/>
+            <a:off x="5476320" y="8348400"/>
+            <a:ext cx="822240" cy="822240"/>
           </a:xfrm>
           <a:prstGeom prst="rect">
             <a:avLst/>
@@ -1852,18 +2045,18 @@
       </p:pic>
       <p:pic>
         <p:nvPicPr>
-          <p:cNvPr id="50" name="" descr=""/>
+          <p:cNvPr id="50" name="Picture 17"/>
           <p:cNvPicPr/>
           <p:nvPr/>
         </p:nvPicPr>
         <p:blipFill>
-          <a:blip r:embed="rId8"/>
+          <a:blip r:embed="rId9" cstate="print"/>
           <a:stretch/>
         </p:blipFill>
         <p:spPr>
-          <a:xfrm>
-            <a:off x="640080" y="8348400"/>
-            <a:ext cx="828000" cy="797040"/>
+          <a:xfrm rot="16200000">
+            <a:off x="1685880" y="2886120"/>
+            <a:ext cx="3485160" cy="6552720"/>
           </a:xfrm>
           <a:prstGeom prst="rect">
             <a:avLst/>
@@ -1875,18 +2068,18 @@
       </p:pic>
       <p:pic>
         <p:nvPicPr>
-          <p:cNvPr id="51" name="" descr=""/>
+          <p:cNvPr id="51" name="Picture 47"/>
           <p:cNvPicPr/>
           <p:nvPr/>
         </p:nvPicPr>
         <p:blipFill>
-          <a:blip r:embed="rId9"/>
+          <a:blip r:embed="rId10" cstate="print"/>
           <a:stretch/>
         </p:blipFill>
         <p:spPr>
           <a:xfrm>
-            <a:off x="5557680" y="8348400"/>
-            <a:ext cx="822600" cy="822600"/>
+            <a:off x="762120" y="4572000"/>
+            <a:ext cx="5332680" cy="3200040"/>
           </a:xfrm>
           <a:prstGeom prst="rect">
             <a:avLst/>
@@ -1898,6 +2091,9 @@
       </p:pic>
     </p:spTree>
   </p:cSld>
+  <p:clrMapOvr>
+    <a:masterClrMapping/>
+  </p:clrMapOvr>
   <p:timing>
     <p:tnLst>
       <p:par>
@@ -1906,14 +2102,14 @@
             <p:seq>
               <p:cTn id="2" nodeType="mainSeq"/>
               <p:prevCondLst>
-                <p:cond delay="0" evt="onPrev">
+                <p:cond evt="onPrev" delay="0">
                   <p:tgtEl>
                     <p:sldTgt/>
                   </p:tgtEl>
                 </p:cond>
               </p:prevCondLst>
               <p:nextCondLst>
-                <p:cond delay="0" evt="onNext">
+                <p:cond evt="onNext" delay="0">
                   <p:tgtEl>
                     <p:sldTgt/>
                   </p:tgtEl>
@@ -1929,7 +2125,7 @@
 </file>
 
 <file path=ppt/slides/slide2.xml><?xml version="1.0" encoding="utf-8"?>
-<p:sld xmlns:a="http://schemas.openxmlformats.org/drawingml/2006/main" xmlns:p="http://schemas.openxmlformats.org/presentationml/2006/main" xmlns:r="http://schemas.openxmlformats.org/officeDocument/2006/relationships">
+<p:sld xmlns:a="http://schemas.openxmlformats.org/drawingml/2006/main" xmlns:r="http://schemas.openxmlformats.org/officeDocument/2006/relationships" xmlns:p="http://schemas.openxmlformats.org/presentationml/2006/main">
   <p:cSld>
     <p:spTree>
       <p:nvGrpSpPr>
@@ -1954,7 +2150,7 @@
         <p:spPr>
           <a:xfrm>
             <a:off x="731520" y="2340720"/>
-            <a:ext cx="5824800" cy="1954800"/>
+            <a:ext cx="5824440" cy="1954440"/>
           </a:xfrm>
           <a:prstGeom prst="rect">
             <a:avLst/>
@@ -1965,9 +2161,15 @@
           </a:ln>
         </p:spPr>
         <p:style>
-          <a:lnRef idx="0"/>
-          <a:fillRef idx="0"/>
-          <a:effectRef idx="0"/>
+          <a:lnRef idx="0">
+            <a:scrgbClr r="0" g="0" b="0"/>
+          </a:lnRef>
+          <a:fillRef idx="0">
+            <a:scrgbClr r="0" g="0" b="0"/>
+          </a:fillRef>
+          <a:effectRef idx="0">
+            <a:scrgbClr r="0" g="0" b="0"/>
+          </a:effectRef>
           <a:fontRef idx="minor"/>
         </p:style>
       </p:sp>
@@ -1979,8 +2181,8 @@
         </p:nvSpPr>
         <p:spPr>
           <a:xfrm>
-            <a:off x="1280160" y="822960"/>
-            <a:ext cx="4545000" cy="928440"/>
+            <a:off x="1371420" y="822960"/>
+            <a:ext cx="4544640" cy="928080"/>
           </a:xfrm>
           <a:prstGeom prst="rect">
             <a:avLst/>
@@ -1991,13 +2193,20 @@
           </a:ln>
         </p:spPr>
         <p:style>
-          <a:lnRef idx="0"/>
-          <a:fillRef idx="0"/>
-          <a:effectRef idx="0"/>
+          <a:lnRef idx="0">
+            <a:scrgbClr r="0" g="0" b="0"/>
+          </a:lnRef>
+          <a:fillRef idx="0">
+            <a:scrgbClr r="0" g="0" b="0"/>
+          </a:fillRef>
+          <a:effectRef idx="0">
+            <a:scrgbClr r="0" g="0" b="0"/>
+          </a:effectRef>
           <a:fontRef idx="minor"/>
         </p:style>
         <p:txBody>
-          <a:bodyPr lIns="90000" rIns="90000" tIns="45000" bIns="45000"/>
+          <a:bodyPr lIns="90000" tIns="45000" rIns="90000" bIns="45000"/>
+          <a:lstStyle/>
           <a:p>
             <a:pPr algn="ctr">
               <a:lnSpc>
@@ -2007,7 +2216,7 @@
             <a:r>
               <a:rPr lang="en-US" sz="2400" strike="noStrike">
                 <a:solidFill>
-                  <a:srgbClr val="2323dc"/>
+                  <a:srgbClr val="2323DC"/>
                 </a:solidFill>
                 <a:latin typeface="Corbel"/>
                 <a:ea typeface="DejaVu Sans"/>
@@ -2026,8 +2235,8 @@
         </p:nvSpPr>
         <p:spPr>
           <a:xfrm>
-            <a:off x="292680" y="182880"/>
-            <a:ext cx="1901160" cy="1110960"/>
+            <a:off x="228600" y="152280"/>
+            <a:ext cx="1900800" cy="1110600"/>
           </a:xfrm>
           <a:prstGeom prst="rect">
             <a:avLst/>
@@ -2038,13 +2247,20 @@
           </a:ln>
         </p:spPr>
         <p:style>
-          <a:lnRef idx="0"/>
-          <a:fillRef idx="0"/>
-          <a:effectRef idx="0"/>
+          <a:lnRef idx="0">
+            <a:scrgbClr r="0" g="0" b="0"/>
+          </a:lnRef>
+          <a:fillRef idx="0">
+            <a:scrgbClr r="0" g="0" b="0"/>
+          </a:fillRef>
+          <a:effectRef idx="0">
+            <a:scrgbClr r="0" g="0" b="0"/>
+          </a:effectRef>
           <a:fontRef idx="minor"/>
         </p:style>
         <p:txBody>
-          <a:bodyPr lIns="90000" rIns="90000" tIns="45000" bIns="45000"/>
+          <a:bodyPr lIns="90000" tIns="45000" rIns="90000" bIns="45000"/>
+          <a:lstStyle/>
           <a:p>
             <a:pPr>
               <a:lnSpc>
@@ -2127,8 +2343,8 @@
         </p:nvSpPr>
         <p:spPr>
           <a:xfrm>
-            <a:off x="1374120" y="1082520"/>
-            <a:ext cx="4385880" cy="928440"/>
+            <a:off x="1450980" y="1082520"/>
+            <a:ext cx="4385520" cy="928080"/>
           </a:xfrm>
           <a:prstGeom prst="rect">
             <a:avLst/>
@@ -2139,13 +2355,20 @@
           </a:ln>
         </p:spPr>
         <p:style>
-          <a:lnRef idx="0"/>
-          <a:fillRef idx="0"/>
-          <a:effectRef idx="0"/>
+          <a:lnRef idx="0">
+            <a:scrgbClr r="0" g="0" b="0"/>
+          </a:lnRef>
+          <a:fillRef idx="0">
+            <a:scrgbClr r="0" g="0" b="0"/>
+          </a:fillRef>
+          <a:effectRef idx="0">
+            <a:scrgbClr r="0" g="0" b="0"/>
+          </a:effectRef>
           <a:fontRef idx="minor"/>
         </p:style>
         <p:txBody>
-          <a:bodyPr lIns="90000" rIns="90000" tIns="45000" bIns="45000"/>
+          <a:bodyPr lIns="90000" tIns="45000" rIns="90000" bIns="45000"/>
+          <a:lstStyle/>
           <a:p>
             <a:pPr algn="ctr">
               <a:lnSpc>
@@ -2155,7 +2378,7 @@
             <a:r>
               <a:rPr lang="en-US" sz="4000" strike="noStrike">
                 <a:solidFill>
-                  <a:srgbClr val="dc2300"/>
+                  <a:srgbClr val="DC2300"/>
                 </a:solidFill>
                 <a:latin typeface="Corbel"/>
                 <a:ea typeface="DejaVu Sans"/>
@@ -2168,18 +2391,18 @@
       </p:sp>
       <p:pic>
         <p:nvPicPr>
-          <p:cNvPr id="56" name="Picture 52" descr=""/>
+          <p:cNvPr id="56" name="Picture 52"/>
           <p:cNvPicPr/>
           <p:nvPr/>
         </p:nvPicPr>
         <p:blipFill>
-          <a:blip r:embed="rId1"/>
+          <a:blip r:embed="rId2" cstate="print"/>
           <a:stretch/>
         </p:blipFill>
         <p:spPr>
           <a:xfrm>
             <a:off x="0" y="6056280"/>
-            <a:ext cx="912240" cy="3085560"/>
+            <a:ext cx="911880" cy="3085200"/>
           </a:xfrm>
           <a:prstGeom prst="rect">
             <a:avLst/>
@@ -2191,18 +2414,18 @@
       </p:pic>
       <p:pic>
         <p:nvPicPr>
-          <p:cNvPr id="57" name="Picture 53" descr=""/>
+          <p:cNvPr id="57" name="Picture 53"/>
           <p:cNvPicPr/>
           <p:nvPr/>
         </p:nvPicPr>
         <p:blipFill>
-          <a:blip r:embed="rId2"/>
+          <a:blip r:embed="rId3" cstate="print"/>
           <a:stretch/>
         </p:blipFill>
         <p:spPr>
           <a:xfrm>
-            <a:off x="1188720" y="6400800"/>
-            <a:ext cx="4571280" cy="2651040"/>
+            <a:off x="1358280" y="6400800"/>
+            <a:ext cx="4570920" cy="2650680"/>
           </a:xfrm>
           <a:prstGeom prst="rect">
             <a:avLst/>
@@ -2214,18 +2437,18 @@
       </p:pic>
       <p:pic>
         <p:nvPicPr>
-          <p:cNvPr id="58" name="Picture 54" descr=""/>
+          <p:cNvPr id="58" name="Picture 54"/>
           <p:cNvPicPr/>
           <p:nvPr/>
         </p:nvPicPr>
         <p:blipFill>
-          <a:blip r:embed="rId3"/>
+          <a:blip r:embed="rId4" cstate="print"/>
           <a:stretch/>
         </p:blipFill>
         <p:spPr>
           <a:xfrm>
-            <a:off x="1447920" y="6447960"/>
-            <a:ext cx="4037760" cy="2512440"/>
+            <a:off x="1625040" y="6447960"/>
+            <a:ext cx="4037400" cy="2512080"/>
           </a:xfrm>
           <a:prstGeom prst="rect">
             <a:avLst/>
@@ -2237,18 +2460,18 @@
       </p:pic>
       <p:pic>
         <p:nvPicPr>
-          <p:cNvPr id="59" name="Picture 55" descr=""/>
+          <p:cNvPr id="59" name="Picture 55"/>
           <p:cNvPicPr/>
           <p:nvPr/>
         </p:nvPicPr>
         <p:blipFill>
-          <a:blip r:embed="rId4"/>
+          <a:blip r:embed="rId3" cstate="print"/>
           <a:stretch/>
         </p:blipFill>
         <p:spPr>
           <a:xfrm>
-            <a:off x="1554480" y="182880"/>
-            <a:ext cx="3839760" cy="730800"/>
+            <a:off x="1724040" y="182880"/>
+            <a:ext cx="3839400" cy="730440"/>
           </a:xfrm>
           <a:prstGeom prst="rect">
             <a:avLst/>
@@ -2260,18 +2483,18 @@
       </p:pic>
       <p:pic>
         <p:nvPicPr>
-          <p:cNvPr id="60" name="Picture 56" descr=""/>
+          <p:cNvPr id="60" name="Picture 56"/>
           <p:cNvPicPr/>
           <p:nvPr/>
         </p:nvPicPr>
         <p:blipFill>
-          <a:blip r:embed="rId5"/>
+          <a:blip r:embed="rId5" cstate="print"/>
           <a:stretch/>
         </p:blipFill>
         <p:spPr>
           <a:xfrm>
-            <a:off x="1648080" y="274320"/>
-            <a:ext cx="3654720" cy="547920"/>
+            <a:off x="1854720" y="274320"/>
+            <a:ext cx="3578040" cy="547560"/>
           </a:xfrm>
           <a:prstGeom prst="rect">
             <a:avLst/>
@@ -2283,18 +2506,18 @@
       </p:pic>
       <p:pic>
         <p:nvPicPr>
-          <p:cNvPr id="61" name="Picture 57" descr=""/>
+          <p:cNvPr id="61" name="Picture 57"/>
           <p:cNvPicPr/>
           <p:nvPr/>
         </p:nvPicPr>
         <p:blipFill>
-          <a:blip r:embed="rId6"/>
+          <a:blip r:embed="rId3" cstate="print"/>
           <a:stretch/>
         </p:blipFill>
         <p:spPr>
           <a:xfrm>
-            <a:off x="1188720" y="1920240"/>
-            <a:ext cx="4571280" cy="4388400"/>
+            <a:off x="1358280" y="1920240"/>
+            <a:ext cx="4570920" cy="4388040"/>
           </a:xfrm>
           <a:prstGeom prst="rect">
             <a:avLst/>
@@ -2306,18 +2529,18 @@
       </p:pic>
       <p:pic>
         <p:nvPicPr>
-          <p:cNvPr id="62" name="Picture 58" descr=""/>
+          <p:cNvPr id="62" name="Picture 58"/>
           <p:cNvPicPr/>
           <p:nvPr/>
         </p:nvPicPr>
         <p:blipFill>
-          <a:blip r:embed="rId7"/>
+          <a:blip r:embed="rId6" cstate="print"/>
           <a:stretch/>
         </p:blipFill>
         <p:spPr>
           <a:xfrm>
-            <a:off x="1295280" y="2057400"/>
-            <a:ext cx="4372200" cy="4114080"/>
+            <a:off x="1457820" y="2057400"/>
+            <a:ext cx="4371840" cy="4113720"/>
           </a:xfrm>
           <a:prstGeom prst="rect">
             <a:avLst/>
@@ -2329,22 +2552,25 @@
       </p:pic>
     </p:spTree>
   </p:cSld>
+  <p:clrMapOvr>
+    <a:masterClrMapping/>
+  </p:clrMapOvr>
   <p:timing>
     <p:tnLst>
       <p:par>
-        <p:cTn id="3" dur="indefinite" restart="never" nodeType="tmRoot">
+        <p:cTn id="1" dur="indefinite" restart="never" nodeType="tmRoot">
           <p:childTnLst>
             <p:seq>
-              <p:cTn id="4" nodeType="mainSeq"/>
+              <p:cTn id="2" nodeType="mainSeq"/>
               <p:prevCondLst>
-                <p:cond delay="0" evt="onPrev">
+                <p:cond evt="onPrev" delay="0">
                   <p:tgtEl>
                     <p:sldTgt/>
                   </p:tgtEl>
                 </p:cond>
               </p:prevCondLst>
               <p:nextCondLst>
-                <p:cond delay="0" evt="onNext">
+                <p:cond evt="onNext" delay="0">
                   <p:tgtEl>
                     <p:sldTgt/>
                   </p:tgtEl>
@@ -2579,5 +2805,7 @@
       </a:bgFillStyleLst>
     </a:fmtScheme>
   </a:themeElements>
+  <a:objectDefaults/>
+  <a:extraClrSchemeLst/>
 </a:theme>
 </file>